--- a/Topic Two.pptx
+++ b/Topic Two.pptx
@@ -5,7 +5,7 @@
     <p:sldMasterId id="2147483660" r:id="rId1"/>
   </p:sldMasterIdLst>
   <p:notesMasterIdLst>
-    <p:notesMasterId r:id="rId17"/>
+    <p:notesMasterId r:id="rId29"/>
   </p:notesMasterIdLst>
   <p:sldIdLst>
     <p:sldId id="258" r:id="rId2"/>
@@ -23,6 +23,18 @@
     <p:sldId id="269" r:id="rId14"/>
     <p:sldId id="270" r:id="rId15"/>
     <p:sldId id="271" r:id="rId16"/>
+    <p:sldId id="272" r:id="rId17"/>
+    <p:sldId id="273" r:id="rId18"/>
+    <p:sldId id="275" r:id="rId19"/>
+    <p:sldId id="274" r:id="rId20"/>
+    <p:sldId id="276" r:id="rId21"/>
+    <p:sldId id="277" r:id="rId22"/>
+    <p:sldId id="278" r:id="rId23"/>
+    <p:sldId id="280" r:id="rId24"/>
+    <p:sldId id="279" r:id="rId25"/>
+    <p:sldId id="281" r:id="rId26"/>
+    <p:sldId id="282" r:id="rId27"/>
+    <p:sldId id="283" r:id="rId28"/>
   </p:sldIdLst>
   <p:sldSz cx="12192000" cy="6858000"/>
   <p:notesSz cx="6858000" cy="9144000"/>
@@ -211,7 +223,7 @@
           <a:p>
             <a:fld id="{25CF522D-87FC-4E2C-8B00-DFE130EECCBB}" type="datetimeFigureOut">
               <a:rPr lang="en-GB" smtClean="0"/>
-              <a:t>01/12/2020</a:t>
+              <a:t>13/01/2021</a:t>
             </a:fld>
             <a:endParaRPr lang="en-GB"/>
           </a:p>
@@ -1647,7 +1659,7 @@
               <a:pPr>
                 <a:defRPr/>
               </a:pPr>
-              <a:t>01/12/2020</a:t>
+              <a:t>13/01/2021</a:t>
             </a:fld>
             <a:endParaRPr lang="en-GB">
               <a:solidFill>
@@ -1874,7 +1886,7 @@
               <a:pPr>
                 <a:defRPr/>
               </a:pPr>
-              <a:t>01/12/2020</a:t>
+              <a:t>13/01/2021</a:t>
             </a:fld>
             <a:endParaRPr lang="en-GB">
               <a:solidFill>
@@ -2111,7 +2123,7 @@
               <a:pPr>
                 <a:defRPr/>
               </a:pPr>
-              <a:t>01/12/2020</a:t>
+              <a:t>13/01/2021</a:t>
             </a:fld>
             <a:endParaRPr lang="en-GB">
               <a:solidFill>
@@ -3521,7 +3533,7 @@
               <a:pPr>
                 <a:defRPr/>
               </a:pPr>
-              <a:t>01/12/2020</a:t>
+              <a:t>13/01/2021</a:t>
             </a:fld>
             <a:endParaRPr lang="en-GB">
               <a:solidFill>
@@ -3779,7 +3791,7 @@
               <a:pPr>
                 <a:defRPr/>
               </a:pPr>
-              <a:t>01/12/2020</a:t>
+              <a:t>13/01/2021</a:t>
             </a:fld>
             <a:endParaRPr lang="en-GB">
               <a:solidFill>
@@ -4124,7 +4136,7 @@
               <a:pPr>
                 <a:defRPr/>
               </a:pPr>
-              <a:t>01/12/2020</a:t>
+              <a:t>13/01/2021</a:t>
             </a:fld>
             <a:endParaRPr lang="en-GB">
               <a:solidFill>
@@ -4603,7 +4615,7 @@
               <a:pPr>
                 <a:defRPr/>
               </a:pPr>
-              <a:t>01/12/2020</a:t>
+              <a:t>13/01/2021</a:t>
             </a:fld>
             <a:endParaRPr lang="en-GB">
               <a:solidFill>
@@ -4778,7 +4790,7 @@
               <a:pPr>
                 <a:defRPr/>
               </a:pPr>
-              <a:t>01/12/2020</a:t>
+              <a:t>13/01/2021</a:t>
             </a:fld>
             <a:endParaRPr lang="en-GB">
               <a:solidFill>
@@ -4930,7 +4942,7 @@
               <a:pPr>
                 <a:defRPr/>
               </a:pPr>
-              <a:t>01/12/2020</a:t>
+              <a:t>13/01/2021</a:t>
             </a:fld>
             <a:endParaRPr lang="en-GB">
               <a:solidFill>
@@ -5264,7 +5276,7 @@
               <a:pPr>
                 <a:defRPr/>
               </a:pPr>
-              <a:t>01/12/2020</a:t>
+              <a:t>13/01/2021</a:t>
             </a:fld>
             <a:endParaRPr lang="en-GB">
               <a:solidFill>
@@ -5588,7 +5600,7 @@
               <a:pPr>
                 <a:defRPr/>
               </a:pPr>
-              <a:t>01/12/2020</a:t>
+              <a:t>13/01/2021</a:t>
             </a:fld>
             <a:endParaRPr lang="en-GB">
               <a:solidFill>
@@ -7353,6 +7365,387 @@
 </p:sld>
 </file>
 
+<file path=ppt/slides/slide16.xml><?xml version="1.0" encoding="utf-8"?>
+<p:sld xmlns:a="http://schemas.openxmlformats.org/drawingml/2006/main" xmlns:r="http://schemas.openxmlformats.org/officeDocument/2006/relationships" xmlns:p="http://schemas.openxmlformats.org/presentationml/2006/main">
+  <p:cSld>
+    <p:spTree>
+      <p:nvGrpSpPr>
+        <p:cNvPr id="1" name=""/>
+        <p:cNvGrpSpPr/>
+        <p:nvPr/>
+      </p:nvGrpSpPr>
+      <p:grpSpPr>
+        <a:xfrm>
+          <a:off x="0" y="0"/>
+          <a:ext cx="0" cy="0"/>
+          <a:chOff x="0" y="0"/>
+          <a:chExt cx="0" cy="0"/>
+        </a:xfrm>
+      </p:grpSpPr>
+      <p:sp>
+        <p:nvSpPr>
+          <p:cNvPr id="2" name="Title 1"/>
+          <p:cNvSpPr>
+            <a:spLocks noGrp="1"/>
+          </p:cNvSpPr>
+          <p:nvPr>
+            <p:ph type="title"/>
+          </p:nvPr>
+        </p:nvSpPr>
+        <p:spPr/>
+        <p:txBody>
+          <a:bodyPr/>
+          <a:lstStyle/>
+          <a:p>
+            <a:r>
+              <a:rPr lang="en-GB" dirty="0" smtClean="0"/>
+              <a:t>Numerical Data, Variable Constants</a:t>
+            </a:r>
+            <a:endParaRPr lang="en-US" dirty="0"/>
+          </a:p>
+        </p:txBody>
+      </p:sp>
+      <p:sp>
+        <p:nvSpPr>
+          <p:cNvPr id="3" name="Content Placeholder 2"/>
+          <p:cNvSpPr>
+            <a:spLocks noGrp="1"/>
+          </p:cNvSpPr>
+          <p:nvPr>
+            <p:ph idx="1"/>
+          </p:nvPr>
+        </p:nvSpPr>
+        <p:spPr/>
+        <p:txBody>
+          <a:bodyPr/>
+          <a:lstStyle/>
+          <a:p>
+            <a:r>
+              <a:rPr lang="en-US" dirty="0"/>
+              <a:t>Numerical data, variable, constants, and arithmetic expressions. </a:t>
+            </a:r>
+          </a:p>
+          <a:p>
+            <a:endParaRPr lang="en-US" dirty="0"/>
+          </a:p>
+        </p:txBody>
+      </p:sp>
+    </p:spTree>
+    <p:extLst>
+      <p:ext uri="{BB962C8B-B14F-4D97-AF65-F5344CB8AC3E}">
+        <p14:creationId xmlns:p14="http://schemas.microsoft.com/office/powerpoint/2010/main" val="2328799324"/>
+      </p:ext>
+    </p:extLst>
+  </p:cSld>
+  <p:clrMapOvr>
+    <a:masterClrMapping/>
+  </p:clrMapOvr>
+</p:sld>
+</file>
+
+<file path=ppt/slides/slide17.xml><?xml version="1.0" encoding="utf-8"?>
+<p:sld xmlns:a="http://schemas.openxmlformats.org/drawingml/2006/main" xmlns:r="http://schemas.openxmlformats.org/officeDocument/2006/relationships" xmlns:p="http://schemas.openxmlformats.org/presentationml/2006/main">
+  <p:cSld>
+    <p:spTree>
+      <p:nvGrpSpPr>
+        <p:cNvPr id="1" name=""/>
+        <p:cNvGrpSpPr/>
+        <p:nvPr/>
+      </p:nvGrpSpPr>
+      <p:grpSpPr>
+        <a:xfrm>
+          <a:off x="0" y="0"/>
+          <a:ext cx="0" cy="0"/>
+          <a:chOff x="0" y="0"/>
+          <a:chExt cx="0" cy="0"/>
+        </a:xfrm>
+      </p:grpSpPr>
+      <p:sp>
+        <p:nvSpPr>
+          <p:cNvPr id="2" name="Title 1"/>
+          <p:cNvSpPr>
+            <a:spLocks noGrp="1"/>
+          </p:cNvSpPr>
+          <p:nvPr>
+            <p:ph type="title"/>
+          </p:nvPr>
+        </p:nvSpPr>
+        <p:spPr/>
+        <p:txBody>
+          <a:bodyPr/>
+          <a:lstStyle/>
+          <a:p>
+            <a:r>
+              <a:rPr lang="en-GB" dirty="0" smtClean="0"/>
+              <a:t>Statements</a:t>
+            </a:r>
+            <a:endParaRPr lang="en-US" dirty="0"/>
+          </a:p>
+        </p:txBody>
+      </p:sp>
+      <p:sp>
+        <p:nvSpPr>
+          <p:cNvPr id="3" name="Content Placeholder 2"/>
+          <p:cNvSpPr>
+            <a:spLocks noGrp="1"/>
+          </p:cNvSpPr>
+          <p:nvPr>
+            <p:ph idx="1"/>
+          </p:nvPr>
+        </p:nvSpPr>
+        <p:spPr/>
+        <p:txBody>
+          <a:bodyPr/>
+          <a:lstStyle/>
+          <a:p>
+            <a:r>
+              <a:rPr lang="en-US" dirty="0"/>
+              <a:t>a statement forms a single Java operation.</a:t>
+            </a:r>
+            <a:endParaRPr lang="en-US" dirty="0" smtClean="0"/>
+          </a:p>
+          <a:p>
+            <a:r>
+              <a:rPr lang="en-US" dirty="0" smtClean="0"/>
+              <a:t>Statements </a:t>
+            </a:r>
+            <a:r>
+              <a:rPr lang="en-US" dirty="0"/>
+              <a:t>sometimes return values—for example, when you add two numbers together or </a:t>
+            </a:r>
+            <a:r>
+              <a:rPr lang="en-US" dirty="0" smtClean="0"/>
+              <a:t>test to </a:t>
+            </a:r>
+            <a:r>
+              <a:rPr lang="en-US" dirty="0"/>
+              <a:t>see whether one value is equal to another. </a:t>
+            </a:r>
+            <a:endParaRPr lang="en-US" dirty="0" smtClean="0"/>
+          </a:p>
+          <a:p>
+            <a:r>
+              <a:rPr lang="en-US" dirty="0" smtClean="0"/>
+              <a:t>These </a:t>
+            </a:r>
+            <a:r>
+              <a:rPr lang="en-US" dirty="0"/>
+              <a:t>kind of statements are </a:t>
+            </a:r>
+            <a:r>
+              <a:rPr lang="en-US" dirty="0" smtClean="0"/>
+              <a:t>called expressions</a:t>
+            </a:r>
+            <a:r>
+              <a:rPr lang="en-US" dirty="0"/>
+              <a:t>.</a:t>
+            </a:r>
+            <a:endParaRPr lang="en-US" dirty="0"/>
+          </a:p>
+        </p:txBody>
+      </p:sp>
+    </p:spTree>
+    <p:extLst>
+      <p:ext uri="{BB962C8B-B14F-4D97-AF65-F5344CB8AC3E}">
+        <p14:creationId xmlns:p14="http://schemas.microsoft.com/office/powerpoint/2010/main" val="739257105"/>
+      </p:ext>
+    </p:extLst>
+  </p:cSld>
+  <p:clrMapOvr>
+    <a:masterClrMapping/>
+  </p:clrMapOvr>
+</p:sld>
+</file>
+
+<file path=ppt/slides/slide18.xml><?xml version="1.0" encoding="utf-8"?>
+<p:sld xmlns:a="http://schemas.openxmlformats.org/drawingml/2006/main" xmlns:r="http://schemas.openxmlformats.org/officeDocument/2006/relationships" xmlns:p="http://schemas.openxmlformats.org/presentationml/2006/main">
+  <p:cSld>
+    <p:spTree>
+      <p:nvGrpSpPr>
+        <p:cNvPr id="1" name=""/>
+        <p:cNvGrpSpPr/>
+        <p:nvPr/>
+      </p:nvGrpSpPr>
+      <p:grpSpPr>
+        <a:xfrm>
+          <a:off x="0" y="0"/>
+          <a:ext cx="0" cy="0"/>
+          <a:chOff x="0" y="0"/>
+          <a:chExt cx="0" cy="0"/>
+        </a:xfrm>
+      </p:grpSpPr>
+      <p:sp>
+        <p:nvSpPr>
+          <p:cNvPr id="2" name="Title 1"/>
+          <p:cNvSpPr>
+            <a:spLocks noGrp="1"/>
+          </p:cNvSpPr>
+          <p:nvPr>
+            <p:ph type="title"/>
+          </p:nvPr>
+        </p:nvSpPr>
+        <p:spPr/>
+        <p:txBody>
+          <a:bodyPr/>
+          <a:lstStyle/>
+          <a:p>
+            <a:r>
+              <a:rPr lang="en-GB" dirty="0" smtClean="0"/>
+              <a:t>Statements</a:t>
+            </a:r>
+            <a:endParaRPr lang="en-US" dirty="0"/>
+          </a:p>
+        </p:txBody>
+      </p:sp>
+      <p:pic>
+        <p:nvPicPr>
+          <p:cNvPr id="6" name="Content Placeholder 5"/>
+          <p:cNvPicPr>
+            <a:picLocks noGrp="1" noChangeAspect="1"/>
+          </p:cNvPicPr>
+          <p:nvPr>
+            <p:ph idx="1"/>
+          </p:nvPr>
+        </p:nvPicPr>
+        <p:blipFill>
+          <a:blip r:embed="rId2"/>
+          <a:stretch>
+            <a:fillRect/>
+          </a:stretch>
+        </p:blipFill>
+        <p:spPr>
+          <a:xfrm>
+            <a:off x="2918632" y="1412875"/>
+            <a:ext cx="6354737" cy="4824413"/>
+          </a:xfrm>
+          <a:prstGeom prst="rect">
+            <a:avLst/>
+          </a:prstGeom>
+        </p:spPr>
+      </p:pic>
+    </p:spTree>
+    <p:extLst>
+      <p:ext uri="{BB962C8B-B14F-4D97-AF65-F5344CB8AC3E}">
+        <p14:creationId xmlns:p14="http://schemas.microsoft.com/office/powerpoint/2010/main" val="3605474174"/>
+      </p:ext>
+    </p:extLst>
+  </p:cSld>
+  <p:clrMapOvr>
+    <a:masterClrMapping/>
+  </p:clrMapOvr>
+</p:sld>
+</file>
+
+<file path=ppt/slides/slide19.xml><?xml version="1.0" encoding="utf-8"?>
+<p:sld xmlns:a="http://schemas.openxmlformats.org/drawingml/2006/main" xmlns:r="http://schemas.openxmlformats.org/officeDocument/2006/relationships" xmlns:p="http://schemas.openxmlformats.org/presentationml/2006/main">
+  <p:cSld>
+    <p:spTree>
+      <p:nvGrpSpPr>
+        <p:cNvPr id="1" name=""/>
+        <p:cNvGrpSpPr/>
+        <p:nvPr/>
+      </p:nvGrpSpPr>
+      <p:grpSpPr>
+        <a:xfrm>
+          <a:off x="0" y="0"/>
+          <a:ext cx="0" cy="0"/>
+          <a:chOff x="0" y="0"/>
+          <a:chExt cx="0" cy="0"/>
+        </a:xfrm>
+      </p:grpSpPr>
+      <p:sp>
+        <p:nvSpPr>
+          <p:cNvPr id="2" name="Title 1"/>
+          <p:cNvSpPr>
+            <a:spLocks noGrp="1"/>
+          </p:cNvSpPr>
+          <p:nvPr>
+            <p:ph type="title"/>
+          </p:nvPr>
+        </p:nvSpPr>
+        <p:spPr/>
+        <p:txBody>
+          <a:bodyPr/>
+          <a:lstStyle/>
+          <a:p>
+            <a:r>
+              <a:rPr lang="en-GB" dirty="0" smtClean="0"/>
+              <a:t>Statements</a:t>
+            </a:r>
+            <a:endParaRPr lang="en-US" dirty="0"/>
+          </a:p>
+        </p:txBody>
+      </p:sp>
+      <p:sp>
+        <p:nvSpPr>
+          <p:cNvPr id="3" name="Content Placeholder 2"/>
+          <p:cNvSpPr>
+            <a:spLocks noGrp="1"/>
+          </p:cNvSpPr>
+          <p:nvPr>
+            <p:ph idx="1"/>
+          </p:nvPr>
+        </p:nvSpPr>
+        <p:spPr/>
+        <p:txBody>
+          <a:bodyPr>
+            <a:normAutofit fontScale="92500" lnSpcReduction="10000"/>
+          </a:bodyPr>
+          <a:lstStyle/>
+          <a:p>
+            <a:r>
+              <a:rPr lang="en-US" dirty="0"/>
+              <a:t>The most important thing to remember about Java statements is that each one ends with </a:t>
+            </a:r>
+            <a:r>
+              <a:rPr lang="en-US" dirty="0" smtClean="0"/>
+              <a:t>a semicolon</a:t>
+            </a:r>
+            <a:r>
+              <a:rPr lang="en-US" dirty="0"/>
+              <a:t>. Forget the semicolon and your Java program won’t compile.</a:t>
+            </a:r>
+          </a:p>
+          <a:p>
+            <a:r>
+              <a:rPr lang="en-US" dirty="0"/>
+              <a:t>Java also has compound statements, or blocks, which can be placed wherever a single </a:t>
+            </a:r>
+            <a:r>
+              <a:rPr lang="en-US" dirty="0" smtClean="0"/>
+              <a:t>statement can</a:t>
+            </a:r>
+            <a:r>
+              <a:rPr lang="en-US" dirty="0"/>
+              <a:t>. </a:t>
+            </a:r>
+            <a:endParaRPr lang="en-US" dirty="0" smtClean="0"/>
+          </a:p>
+          <a:p>
+            <a:r>
+              <a:rPr lang="en-US" dirty="0" smtClean="0"/>
+              <a:t>Block </a:t>
+            </a:r>
+            <a:r>
+              <a:rPr lang="en-US" dirty="0"/>
+              <a:t>statements are surrounded by braces ({}). </a:t>
+            </a:r>
+          </a:p>
+        </p:txBody>
+      </p:sp>
+    </p:spTree>
+    <p:extLst>
+      <p:ext uri="{BB962C8B-B14F-4D97-AF65-F5344CB8AC3E}">
+        <p14:creationId xmlns:p14="http://schemas.microsoft.com/office/powerpoint/2010/main" val="3423007473"/>
+      </p:ext>
+    </p:extLst>
+  </p:cSld>
+  <p:clrMapOvr>
+    <a:masterClrMapping/>
+  </p:clrMapOvr>
+</p:sld>
+</file>
+
 <file path=ppt/slides/slide2.xml><?xml version="1.0" encoding="utf-8"?>
 <p:sld xmlns:a="http://schemas.openxmlformats.org/drawingml/2006/main" xmlns:r="http://schemas.openxmlformats.org/officeDocument/2006/relationships" xmlns:p="http://schemas.openxmlformats.org/presentationml/2006/main">
   <p:cSld>
@@ -7471,6 +7864,1025 @@
       </p:par>
     </p:tnLst>
   </p:timing>
+</p:sld>
+</file>
+
+<file path=ppt/slides/slide20.xml><?xml version="1.0" encoding="utf-8"?>
+<p:sld xmlns:a="http://schemas.openxmlformats.org/drawingml/2006/main" xmlns:r="http://schemas.openxmlformats.org/officeDocument/2006/relationships" xmlns:p="http://schemas.openxmlformats.org/presentationml/2006/main">
+  <p:cSld>
+    <p:spTree>
+      <p:nvGrpSpPr>
+        <p:cNvPr id="1" name=""/>
+        <p:cNvGrpSpPr/>
+        <p:nvPr/>
+      </p:nvGrpSpPr>
+      <p:grpSpPr>
+        <a:xfrm>
+          <a:off x="0" y="0"/>
+          <a:ext cx="0" cy="0"/>
+          <a:chOff x="0" y="0"/>
+          <a:chExt cx="0" cy="0"/>
+        </a:xfrm>
+      </p:grpSpPr>
+      <p:sp>
+        <p:nvSpPr>
+          <p:cNvPr id="2" name="Title 1"/>
+          <p:cNvSpPr>
+            <a:spLocks noGrp="1"/>
+          </p:cNvSpPr>
+          <p:nvPr>
+            <p:ph type="title"/>
+          </p:nvPr>
+        </p:nvSpPr>
+        <p:spPr/>
+        <p:txBody>
+          <a:bodyPr/>
+          <a:lstStyle/>
+          <a:p>
+            <a:r>
+              <a:rPr lang="en-GB" dirty="0" smtClean="0"/>
+              <a:t>Variables</a:t>
+            </a:r>
+            <a:endParaRPr lang="en-US" dirty="0"/>
+          </a:p>
+        </p:txBody>
+      </p:sp>
+      <p:sp>
+        <p:nvSpPr>
+          <p:cNvPr id="3" name="Content Placeholder 2"/>
+          <p:cNvSpPr>
+            <a:spLocks noGrp="1"/>
+          </p:cNvSpPr>
+          <p:nvPr>
+            <p:ph idx="1"/>
+          </p:nvPr>
+        </p:nvSpPr>
+        <p:spPr/>
+        <p:txBody>
+          <a:bodyPr>
+            <a:normAutofit fontScale="92500" lnSpcReduction="10000"/>
+          </a:bodyPr>
+          <a:lstStyle/>
+          <a:p>
+            <a:r>
+              <a:rPr lang="en-US" dirty="0"/>
+              <a:t>Variables are locations in memory in which values can be stored. They have a name, a type, </a:t>
+            </a:r>
+            <a:r>
+              <a:rPr lang="en-US" dirty="0" smtClean="0"/>
+              <a:t>and a </a:t>
+            </a:r>
+            <a:r>
+              <a:rPr lang="en-US" dirty="0"/>
+              <a:t>value. </a:t>
+            </a:r>
+            <a:endParaRPr lang="en-US" dirty="0" smtClean="0"/>
+          </a:p>
+          <a:p>
+            <a:r>
+              <a:rPr lang="en-US" dirty="0" smtClean="0"/>
+              <a:t>Before </a:t>
+            </a:r>
+            <a:r>
+              <a:rPr lang="en-US" dirty="0"/>
+              <a:t>you can use a variable, you have to declare it. After it is declared, you can </a:t>
+            </a:r>
+            <a:r>
+              <a:rPr lang="en-US" dirty="0" smtClean="0"/>
+              <a:t>then assign </a:t>
+            </a:r>
+            <a:r>
+              <a:rPr lang="en-US" dirty="0"/>
+              <a:t>values to it.</a:t>
+            </a:r>
+          </a:p>
+          <a:p>
+            <a:r>
+              <a:rPr lang="en-US" dirty="0"/>
+              <a:t>Java actually has three kinds of variables: instance variables, class variables, and local variables.</a:t>
+            </a:r>
+          </a:p>
+        </p:txBody>
+      </p:sp>
+    </p:spTree>
+    <p:extLst>
+      <p:ext uri="{BB962C8B-B14F-4D97-AF65-F5344CB8AC3E}">
+        <p14:creationId xmlns:p14="http://schemas.microsoft.com/office/powerpoint/2010/main" val="2442254974"/>
+      </p:ext>
+    </p:extLst>
+  </p:cSld>
+  <p:clrMapOvr>
+    <a:masterClrMapping/>
+  </p:clrMapOvr>
+</p:sld>
+</file>
+
+<file path=ppt/slides/slide21.xml><?xml version="1.0" encoding="utf-8"?>
+<p:sld xmlns:a="http://schemas.openxmlformats.org/drawingml/2006/main" xmlns:r="http://schemas.openxmlformats.org/officeDocument/2006/relationships" xmlns:p="http://schemas.openxmlformats.org/presentationml/2006/main">
+  <p:cSld>
+    <p:spTree>
+      <p:nvGrpSpPr>
+        <p:cNvPr id="1" name=""/>
+        <p:cNvGrpSpPr/>
+        <p:nvPr/>
+      </p:nvGrpSpPr>
+      <p:grpSpPr>
+        <a:xfrm>
+          <a:off x="0" y="0"/>
+          <a:ext cx="0" cy="0"/>
+          <a:chOff x="0" y="0"/>
+          <a:chExt cx="0" cy="0"/>
+        </a:xfrm>
+      </p:grpSpPr>
+      <p:sp>
+        <p:nvSpPr>
+          <p:cNvPr id="2" name="Title 1"/>
+          <p:cNvSpPr>
+            <a:spLocks noGrp="1"/>
+          </p:cNvSpPr>
+          <p:nvPr>
+            <p:ph type="title"/>
+          </p:nvPr>
+        </p:nvSpPr>
+        <p:spPr/>
+        <p:txBody>
+          <a:bodyPr/>
+          <a:lstStyle/>
+          <a:p>
+            <a:r>
+              <a:rPr lang="en-GB" dirty="0" smtClean="0"/>
+              <a:t>Variables: Instance, Class, Local</a:t>
+            </a:r>
+            <a:endParaRPr lang="en-US" dirty="0"/>
+          </a:p>
+        </p:txBody>
+      </p:sp>
+      <p:sp>
+        <p:nvSpPr>
+          <p:cNvPr id="3" name="Content Placeholder 2"/>
+          <p:cNvSpPr>
+            <a:spLocks noGrp="1"/>
+          </p:cNvSpPr>
+          <p:nvPr>
+            <p:ph idx="1"/>
+          </p:nvPr>
+        </p:nvSpPr>
+        <p:spPr/>
+        <p:txBody>
+          <a:bodyPr>
+            <a:normAutofit fontScale="77500" lnSpcReduction="20000"/>
+          </a:bodyPr>
+          <a:lstStyle/>
+          <a:p>
+            <a:r>
+              <a:rPr lang="en-US" dirty="0"/>
+              <a:t>Instance </a:t>
+            </a:r>
+            <a:r>
+              <a:rPr lang="en-US" dirty="0" smtClean="0"/>
+              <a:t>variables are </a:t>
+            </a:r>
+            <a:r>
+              <a:rPr lang="en-US" dirty="0"/>
+              <a:t>used to define attributes or the state for </a:t>
+            </a:r>
+            <a:r>
+              <a:rPr lang="en-US" dirty="0" smtClean="0"/>
+              <a:t>a particular </a:t>
+            </a:r>
+            <a:r>
+              <a:rPr lang="en-US" dirty="0"/>
+              <a:t>object. </a:t>
+            </a:r>
+            <a:endParaRPr lang="en-US" dirty="0" smtClean="0"/>
+          </a:p>
+          <a:p>
+            <a:r>
+              <a:rPr lang="en-US" dirty="0" smtClean="0"/>
+              <a:t>Class </a:t>
+            </a:r>
+            <a:r>
+              <a:rPr lang="en-US" dirty="0"/>
+              <a:t>variables are similar to instance variables, except their values apply to </a:t>
+            </a:r>
+            <a:r>
+              <a:rPr lang="en-US" dirty="0" smtClean="0"/>
+              <a:t>all that </a:t>
+            </a:r>
+            <a:r>
+              <a:rPr lang="en-US" dirty="0"/>
+              <a:t>class’s instances (and to the class itself) rather than having different values for each object.</a:t>
+            </a:r>
+          </a:p>
+          <a:p>
+            <a:r>
+              <a:rPr lang="en-US" dirty="0"/>
+              <a:t>Local variables are declared and used inside method definitions, for example, for index </a:t>
+            </a:r>
+            <a:r>
+              <a:rPr lang="en-US" dirty="0" smtClean="0"/>
+              <a:t>counters in </a:t>
+            </a:r>
+            <a:r>
+              <a:rPr lang="en-US" dirty="0"/>
+              <a:t>loops, as temporary variables, or to hold values that you need only inside the </a:t>
+            </a:r>
+            <a:r>
+              <a:rPr lang="en-US" dirty="0" smtClean="0"/>
+              <a:t>method definition </a:t>
+            </a:r>
+            <a:r>
+              <a:rPr lang="en-US" dirty="0"/>
+              <a:t>itself. They can also be used inside blocks </a:t>
+            </a:r>
+            <a:r>
+              <a:rPr lang="en-US" dirty="0" smtClean="0"/>
+              <a:t>({}).</a:t>
+            </a:r>
+            <a:endParaRPr lang="en-US" dirty="0"/>
+          </a:p>
+        </p:txBody>
+      </p:sp>
+    </p:spTree>
+    <p:extLst>
+      <p:ext uri="{BB962C8B-B14F-4D97-AF65-F5344CB8AC3E}">
+        <p14:creationId xmlns:p14="http://schemas.microsoft.com/office/powerpoint/2010/main" val="2972961759"/>
+      </p:ext>
+    </p:extLst>
+  </p:cSld>
+  <p:clrMapOvr>
+    <a:masterClrMapping/>
+  </p:clrMapOvr>
+</p:sld>
+</file>
+
+<file path=ppt/slides/slide22.xml><?xml version="1.0" encoding="utf-8"?>
+<p:sld xmlns:a="http://schemas.openxmlformats.org/drawingml/2006/main" xmlns:r="http://schemas.openxmlformats.org/officeDocument/2006/relationships" xmlns:p="http://schemas.openxmlformats.org/presentationml/2006/main">
+  <p:cSld>
+    <p:spTree>
+      <p:nvGrpSpPr>
+        <p:cNvPr id="1" name=""/>
+        <p:cNvGrpSpPr/>
+        <p:nvPr/>
+      </p:nvGrpSpPr>
+      <p:grpSpPr>
+        <a:xfrm>
+          <a:off x="0" y="0"/>
+          <a:ext cx="0" cy="0"/>
+          <a:chOff x="0" y="0"/>
+          <a:chExt cx="0" cy="0"/>
+        </a:xfrm>
+      </p:grpSpPr>
+      <p:sp>
+        <p:nvSpPr>
+          <p:cNvPr id="2" name="Title 1"/>
+          <p:cNvSpPr>
+            <a:spLocks noGrp="1"/>
+          </p:cNvSpPr>
+          <p:nvPr>
+            <p:ph type="title"/>
+          </p:nvPr>
+        </p:nvSpPr>
+        <p:spPr/>
+        <p:txBody>
+          <a:bodyPr/>
+          <a:lstStyle/>
+          <a:p>
+            <a:r>
+              <a:rPr lang="en-GB" dirty="0" smtClean="0"/>
+              <a:t>Variable</a:t>
+            </a:r>
+            <a:endParaRPr lang="en-US" dirty="0"/>
+          </a:p>
+        </p:txBody>
+      </p:sp>
+      <p:sp>
+        <p:nvSpPr>
+          <p:cNvPr id="5" name="Content Placeholder 4"/>
+          <p:cNvSpPr>
+            <a:spLocks noGrp="1"/>
+          </p:cNvSpPr>
+          <p:nvPr>
+            <p:ph idx="1"/>
+          </p:nvPr>
+        </p:nvSpPr>
+        <p:spPr/>
+        <p:txBody>
+          <a:bodyPr/>
+          <a:lstStyle/>
+          <a:p>
+            <a:endParaRPr lang="en-US" dirty="0"/>
+          </a:p>
+        </p:txBody>
+      </p:sp>
+      <p:pic>
+        <p:nvPicPr>
+          <p:cNvPr id="6" name="Picture 5"/>
+          <p:cNvPicPr>
+            <a:picLocks noChangeAspect="1"/>
+          </p:cNvPicPr>
+          <p:nvPr/>
+        </p:nvPicPr>
+        <p:blipFill>
+          <a:blip r:embed="rId2"/>
+          <a:stretch>
+            <a:fillRect/>
+          </a:stretch>
+        </p:blipFill>
+        <p:spPr>
+          <a:xfrm>
+            <a:off x="1271587" y="1412776"/>
+            <a:ext cx="7224713" cy="4371990"/>
+          </a:xfrm>
+          <a:prstGeom prst="rect">
+            <a:avLst/>
+          </a:prstGeom>
+        </p:spPr>
+      </p:pic>
+    </p:spTree>
+    <p:extLst>
+      <p:ext uri="{BB962C8B-B14F-4D97-AF65-F5344CB8AC3E}">
+        <p14:creationId xmlns:p14="http://schemas.microsoft.com/office/powerpoint/2010/main" val="899755373"/>
+      </p:ext>
+    </p:extLst>
+  </p:cSld>
+  <p:clrMapOvr>
+    <a:masterClrMapping/>
+  </p:clrMapOvr>
+</p:sld>
+</file>
+
+<file path=ppt/slides/slide23.xml><?xml version="1.0" encoding="utf-8"?>
+<p:sld xmlns:a="http://schemas.openxmlformats.org/drawingml/2006/main" xmlns:r="http://schemas.openxmlformats.org/officeDocument/2006/relationships" xmlns:p="http://schemas.openxmlformats.org/presentationml/2006/main">
+  <p:cSld>
+    <p:spTree>
+      <p:nvGrpSpPr>
+        <p:cNvPr id="1" name=""/>
+        <p:cNvGrpSpPr/>
+        <p:nvPr/>
+      </p:nvGrpSpPr>
+      <p:grpSpPr>
+        <a:xfrm>
+          <a:off x="0" y="0"/>
+          <a:ext cx="0" cy="0"/>
+          <a:chOff x="0" y="0"/>
+          <a:chExt cx="0" cy="0"/>
+        </a:xfrm>
+      </p:grpSpPr>
+      <p:sp>
+        <p:nvSpPr>
+          <p:cNvPr id="2" name="Title 1"/>
+          <p:cNvSpPr>
+            <a:spLocks noGrp="1"/>
+          </p:cNvSpPr>
+          <p:nvPr>
+            <p:ph type="title"/>
+          </p:nvPr>
+        </p:nvSpPr>
+        <p:spPr/>
+        <p:txBody>
+          <a:bodyPr/>
+          <a:lstStyle/>
+          <a:p>
+            <a:r>
+              <a:rPr lang="en-GB" dirty="0" smtClean="0"/>
+              <a:t>Variables</a:t>
+            </a:r>
+            <a:endParaRPr lang="en-US" dirty="0"/>
+          </a:p>
+        </p:txBody>
+      </p:sp>
+      <p:sp>
+        <p:nvSpPr>
+          <p:cNvPr id="3" name="Content Placeholder 2"/>
+          <p:cNvSpPr>
+            <a:spLocks noGrp="1"/>
+          </p:cNvSpPr>
+          <p:nvPr>
+            <p:ph idx="1"/>
+          </p:nvPr>
+        </p:nvSpPr>
+        <p:spPr/>
+        <p:txBody>
+          <a:bodyPr>
+            <a:normAutofit fontScale="70000" lnSpcReduction="20000"/>
+          </a:bodyPr>
+          <a:lstStyle/>
+          <a:p>
+            <a:pPr algn="just"/>
+            <a:r>
+              <a:rPr lang="en-US" dirty="0"/>
+              <a:t>Variable names in Java can start with a letter, an underscore (_), or a dollar sign ($). They </a:t>
+            </a:r>
+            <a:r>
+              <a:rPr lang="en-US" dirty="0" smtClean="0"/>
+              <a:t>cannot start </a:t>
+            </a:r>
+            <a:r>
+              <a:rPr lang="en-US" dirty="0"/>
+              <a:t>with a number. After the first character, your variable names can include any letter </a:t>
+            </a:r>
+            <a:r>
+              <a:rPr lang="en-US" dirty="0" smtClean="0"/>
+              <a:t>or number</a:t>
+            </a:r>
+            <a:r>
+              <a:rPr lang="en-US" dirty="0"/>
+              <a:t>. Symbols, such as %, *, @, and so on, are often reserved for operators in Java, so be </a:t>
+            </a:r>
+            <a:r>
+              <a:rPr lang="en-US" dirty="0" smtClean="0"/>
+              <a:t>careful when </a:t>
+            </a:r>
+            <a:r>
+              <a:rPr lang="en-US" dirty="0"/>
+              <a:t>using symbols in variable names.</a:t>
+            </a:r>
+          </a:p>
+          <a:p>
+            <a:r>
+              <a:rPr lang="en-US" dirty="0"/>
+              <a:t>In addition, the Java language uses the Unicode character set. Unicode is a character </a:t>
+            </a:r>
+            <a:r>
+              <a:rPr lang="en-US" dirty="0" smtClean="0"/>
+              <a:t>set definition </a:t>
+            </a:r>
+            <a:r>
+              <a:rPr lang="en-US" dirty="0"/>
+              <a:t>that not only offers characters in the standard ASCII character set, but also </a:t>
+            </a:r>
+            <a:r>
+              <a:rPr lang="en-US" dirty="0" smtClean="0"/>
+              <a:t>several million </a:t>
+            </a:r>
+            <a:r>
+              <a:rPr lang="en-US" dirty="0"/>
+              <a:t>other characters for representing most international alphabets. This means that you </a:t>
+            </a:r>
+            <a:r>
+              <a:rPr lang="en-US" dirty="0" smtClean="0"/>
+              <a:t>can </a:t>
+            </a:r>
+            <a:r>
+              <a:rPr lang="en-US" dirty="0"/>
+              <a:t>use accented characters and other glyphs as legal characters in variable names, as long as they </a:t>
+            </a:r>
+            <a:r>
+              <a:rPr lang="en-US" dirty="0" smtClean="0"/>
+              <a:t>have a </a:t>
+            </a:r>
+            <a:r>
+              <a:rPr lang="en-US" dirty="0"/>
+              <a:t>Unicode character number above 00C0.</a:t>
+            </a:r>
+            <a:endParaRPr lang="en-US" dirty="0"/>
+          </a:p>
+        </p:txBody>
+      </p:sp>
+    </p:spTree>
+    <p:extLst>
+      <p:ext uri="{BB962C8B-B14F-4D97-AF65-F5344CB8AC3E}">
+        <p14:creationId xmlns:p14="http://schemas.microsoft.com/office/powerpoint/2010/main" val="2780063784"/>
+      </p:ext>
+    </p:extLst>
+  </p:cSld>
+  <p:clrMapOvr>
+    <a:masterClrMapping/>
+  </p:clrMapOvr>
+</p:sld>
+</file>
+
+<file path=ppt/slides/slide24.xml><?xml version="1.0" encoding="utf-8"?>
+<p:sld xmlns:a="http://schemas.openxmlformats.org/drawingml/2006/main" xmlns:r="http://schemas.openxmlformats.org/officeDocument/2006/relationships" xmlns:p="http://schemas.openxmlformats.org/presentationml/2006/main">
+  <p:cSld>
+    <p:spTree>
+      <p:nvGrpSpPr>
+        <p:cNvPr id="1" name=""/>
+        <p:cNvGrpSpPr/>
+        <p:nvPr/>
+      </p:nvGrpSpPr>
+      <p:grpSpPr>
+        <a:xfrm>
+          <a:off x="0" y="0"/>
+          <a:ext cx="0" cy="0"/>
+          <a:chOff x="0" y="0"/>
+          <a:chExt cx="0" cy="0"/>
+        </a:xfrm>
+      </p:grpSpPr>
+      <p:sp>
+        <p:nvSpPr>
+          <p:cNvPr id="2" name="Title 1"/>
+          <p:cNvSpPr>
+            <a:spLocks noGrp="1"/>
+          </p:cNvSpPr>
+          <p:nvPr>
+            <p:ph type="title"/>
+          </p:nvPr>
+        </p:nvSpPr>
+        <p:spPr/>
+        <p:txBody>
+          <a:bodyPr/>
+          <a:lstStyle/>
+          <a:p>
+            <a:r>
+              <a:rPr lang="en-GB" dirty="0" smtClean="0"/>
+              <a:t>Variables</a:t>
+            </a:r>
+            <a:endParaRPr lang="en-US" dirty="0"/>
+          </a:p>
+        </p:txBody>
+      </p:sp>
+      <p:sp>
+        <p:nvSpPr>
+          <p:cNvPr id="3" name="Content Placeholder 2"/>
+          <p:cNvSpPr>
+            <a:spLocks noGrp="1"/>
+          </p:cNvSpPr>
+          <p:nvPr>
+            <p:ph idx="1"/>
+          </p:nvPr>
+        </p:nvSpPr>
+        <p:spPr/>
+        <p:txBody>
+          <a:bodyPr>
+            <a:normAutofit lnSpcReduction="10000"/>
+          </a:bodyPr>
+          <a:lstStyle/>
+          <a:p>
+            <a:pPr marL="0" indent="0">
+              <a:buNone/>
+            </a:pPr>
+            <a:r>
+              <a:rPr lang="en-US" dirty="0"/>
+              <a:t>In addition to the variable name, each variable declaration must have a type, which defines </a:t>
+            </a:r>
+            <a:r>
+              <a:rPr lang="en-US" dirty="0" smtClean="0"/>
+              <a:t>what values </a:t>
+            </a:r>
+            <a:r>
+              <a:rPr lang="en-US" dirty="0"/>
+              <a:t>that variable can hold. </a:t>
+            </a:r>
+            <a:endParaRPr lang="en-US" dirty="0" smtClean="0"/>
+          </a:p>
+          <a:p>
+            <a:pPr marL="0" indent="0">
+              <a:buNone/>
+            </a:pPr>
+            <a:r>
+              <a:rPr lang="en-US" dirty="0" smtClean="0"/>
+              <a:t>The </a:t>
+            </a:r>
+            <a:r>
+              <a:rPr lang="en-US" dirty="0"/>
+              <a:t>variable type can be one of three things:</a:t>
+            </a:r>
+          </a:p>
+          <a:p>
+            <a:r>
+              <a:rPr lang="en-US" dirty="0" smtClean="0"/>
+              <a:t>One </a:t>
+            </a:r>
+            <a:r>
+              <a:rPr lang="en-US" dirty="0"/>
+              <a:t>of the eight basic primitive data types</a:t>
+            </a:r>
+          </a:p>
+          <a:p>
+            <a:r>
+              <a:rPr lang="en-US" dirty="0" smtClean="0"/>
+              <a:t>The </a:t>
+            </a:r>
+            <a:r>
+              <a:rPr lang="en-US" dirty="0"/>
+              <a:t>name of a class</a:t>
+            </a:r>
+          </a:p>
+          <a:p>
+            <a:r>
+              <a:rPr lang="en-US" dirty="0" smtClean="0"/>
+              <a:t>An </a:t>
+            </a:r>
+            <a:r>
+              <a:rPr lang="en-US" dirty="0"/>
+              <a:t>array</a:t>
+            </a:r>
+            <a:endParaRPr lang="en-US" dirty="0"/>
+          </a:p>
+        </p:txBody>
+      </p:sp>
+    </p:spTree>
+    <p:extLst>
+      <p:ext uri="{BB962C8B-B14F-4D97-AF65-F5344CB8AC3E}">
+        <p14:creationId xmlns:p14="http://schemas.microsoft.com/office/powerpoint/2010/main" val="68299721"/>
+      </p:ext>
+    </p:extLst>
+  </p:cSld>
+  <p:clrMapOvr>
+    <a:masterClrMapping/>
+  </p:clrMapOvr>
+</p:sld>
+</file>
+
+<file path=ppt/slides/slide25.xml><?xml version="1.0" encoding="utf-8"?>
+<p:sld xmlns:a="http://schemas.openxmlformats.org/drawingml/2006/main" xmlns:r="http://schemas.openxmlformats.org/officeDocument/2006/relationships" xmlns:p="http://schemas.openxmlformats.org/presentationml/2006/main">
+  <p:cSld>
+    <p:spTree>
+      <p:nvGrpSpPr>
+        <p:cNvPr id="1" name=""/>
+        <p:cNvGrpSpPr/>
+        <p:nvPr/>
+      </p:nvGrpSpPr>
+      <p:grpSpPr>
+        <a:xfrm>
+          <a:off x="0" y="0"/>
+          <a:ext cx="0" cy="0"/>
+          <a:chOff x="0" y="0"/>
+          <a:chExt cx="0" cy="0"/>
+        </a:xfrm>
+      </p:grpSpPr>
+      <p:sp>
+        <p:nvSpPr>
+          <p:cNvPr id="2" name="Title 1"/>
+          <p:cNvSpPr>
+            <a:spLocks noGrp="1"/>
+          </p:cNvSpPr>
+          <p:nvPr>
+            <p:ph type="title"/>
+          </p:nvPr>
+        </p:nvSpPr>
+        <p:spPr/>
+        <p:txBody>
+          <a:bodyPr/>
+          <a:lstStyle/>
+          <a:p>
+            <a:r>
+              <a:rPr lang="en-GB" dirty="0" smtClean="0"/>
+              <a:t>Variable types</a:t>
+            </a:r>
+            <a:endParaRPr lang="en-US" dirty="0"/>
+          </a:p>
+        </p:txBody>
+      </p:sp>
+      <p:sp>
+        <p:nvSpPr>
+          <p:cNvPr id="3" name="Content Placeholder 2"/>
+          <p:cNvSpPr>
+            <a:spLocks noGrp="1"/>
+          </p:cNvSpPr>
+          <p:nvPr>
+            <p:ph idx="1"/>
+          </p:nvPr>
+        </p:nvSpPr>
+        <p:spPr/>
+        <p:txBody>
+          <a:bodyPr>
+            <a:normAutofit fontScale="77500" lnSpcReduction="20000"/>
+          </a:bodyPr>
+          <a:lstStyle/>
+          <a:p>
+            <a:r>
+              <a:rPr lang="en-US" dirty="0"/>
+              <a:t>integers, </a:t>
+            </a:r>
+            <a:endParaRPr lang="en-US" dirty="0" smtClean="0"/>
+          </a:p>
+          <a:p>
+            <a:r>
+              <a:rPr lang="en-US" dirty="0" smtClean="0"/>
+              <a:t>floating-point </a:t>
+            </a:r>
+            <a:r>
+              <a:rPr lang="en-US" dirty="0"/>
+              <a:t>numbers,</a:t>
+            </a:r>
+          </a:p>
+          <a:p>
+            <a:r>
+              <a:rPr lang="en-US" dirty="0"/>
+              <a:t>characters, </a:t>
+            </a:r>
+            <a:endParaRPr lang="en-US" dirty="0" smtClean="0"/>
+          </a:p>
+          <a:p>
+            <a:r>
+              <a:rPr lang="en-US" dirty="0" smtClean="0"/>
+              <a:t>and </a:t>
+            </a:r>
+            <a:r>
+              <a:rPr lang="en-US" dirty="0" err="1" smtClean="0"/>
+              <a:t>boolean</a:t>
+            </a:r>
+            <a:r>
+              <a:rPr lang="en-US" dirty="0" smtClean="0"/>
+              <a:t> </a:t>
+            </a:r>
+            <a:r>
+              <a:rPr lang="en-US" dirty="0"/>
+              <a:t>values (true or false</a:t>
+            </a:r>
+            <a:r>
+              <a:rPr lang="en-US" dirty="0" smtClean="0"/>
+              <a:t>)</a:t>
+            </a:r>
+          </a:p>
+          <a:p>
+            <a:r>
+              <a:rPr lang="en-GB" dirty="0" smtClean="0"/>
+              <a:t>There are also four  integer types: </a:t>
+            </a:r>
+          </a:p>
+          <a:p>
+            <a:r>
+              <a:rPr lang="en-US" dirty="0"/>
+              <a:t>byte 8 bits –128 to 127</a:t>
+            </a:r>
+          </a:p>
+          <a:p>
+            <a:r>
+              <a:rPr lang="en-US" dirty="0"/>
+              <a:t>short 16 bits –-32,768 to 32,767</a:t>
+            </a:r>
+          </a:p>
+          <a:p>
+            <a:r>
+              <a:rPr lang="en-US" dirty="0" err="1"/>
+              <a:t>int</a:t>
+            </a:r>
+            <a:r>
+              <a:rPr lang="en-US" dirty="0"/>
+              <a:t> 32 bits –2,147,483,648 to 2,147,483,647</a:t>
+            </a:r>
+          </a:p>
+          <a:p>
+            <a:r>
+              <a:rPr lang="en-US" dirty="0"/>
+              <a:t>long 64 bits –9223372036854775808 to 9223372036854775807</a:t>
+            </a:r>
+            <a:endParaRPr lang="en-US" dirty="0"/>
+          </a:p>
+        </p:txBody>
+      </p:sp>
+    </p:spTree>
+    <p:extLst>
+      <p:ext uri="{BB962C8B-B14F-4D97-AF65-F5344CB8AC3E}">
+        <p14:creationId xmlns:p14="http://schemas.microsoft.com/office/powerpoint/2010/main" val="1570516628"/>
+      </p:ext>
+    </p:extLst>
+  </p:cSld>
+  <p:clrMapOvr>
+    <a:masterClrMapping/>
+  </p:clrMapOvr>
+</p:sld>
+</file>
+
+<file path=ppt/slides/slide26.xml><?xml version="1.0" encoding="utf-8"?>
+<p:sld xmlns:a="http://schemas.openxmlformats.org/drawingml/2006/main" xmlns:r="http://schemas.openxmlformats.org/officeDocument/2006/relationships" xmlns:p="http://schemas.openxmlformats.org/presentationml/2006/main">
+  <p:cSld>
+    <p:spTree>
+      <p:nvGrpSpPr>
+        <p:cNvPr id="1" name=""/>
+        <p:cNvGrpSpPr/>
+        <p:nvPr/>
+      </p:nvGrpSpPr>
+      <p:grpSpPr>
+        <a:xfrm>
+          <a:off x="0" y="0"/>
+          <a:ext cx="0" cy="0"/>
+          <a:chOff x="0" y="0"/>
+          <a:chExt cx="0" cy="0"/>
+        </a:xfrm>
+      </p:grpSpPr>
+      <p:sp>
+        <p:nvSpPr>
+          <p:cNvPr id="2" name="Title 1"/>
+          <p:cNvSpPr>
+            <a:spLocks noGrp="1"/>
+          </p:cNvSpPr>
+          <p:nvPr>
+            <p:ph type="title"/>
+          </p:nvPr>
+        </p:nvSpPr>
+        <p:spPr/>
+        <p:txBody>
+          <a:bodyPr/>
+          <a:lstStyle/>
+          <a:p>
+            <a:r>
+              <a:rPr lang="en-GB" dirty="0" smtClean="0"/>
+              <a:t>Constants</a:t>
+            </a:r>
+            <a:endParaRPr lang="en-US" dirty="0"/>
+          </a:p>
+        </p:txBody>
+      </p:sp>
+      <p:sp>
+        <p:nvSpPr>
+          <p:cNvPr id="3" name="Content Placeholder 2"/>
+          <p:cNvSpPr>
+            <a:spLocks noGrp="1"/>
+          </p:cNvSpPr>
+          <p:nvPr>
+            <p:ph idx="1"/>
+          </p:nvPr>
+        </p:nvSpPr>
+        <p:spPr/>
+        <p:txBody>
+          <a:bodyPr>
+            <a:normAutofit fontScale="92500" lnSpcReduction="10000"/>
+          </a:bodyPr>
+          <a:lstStyle/>
+          <a:p>
+            <a:pPr algn="just"/>
+            <a:r>
+              <a:rPr lang="en-US" dirty="0"/>
+              <a:t>Constants are useful for setting global states in a method or object, or for giving </a:t>
+            </a:r>
+            <a:r>
+              <a:rPr lang="en-US" dirty="0" smtClean="0"/>
+              <a:t>meaningful names </a:t>
+            </a:r>
+            <a:r>
+              <a:rPr lang="en-US" dirty="0"/>
+              <a:t>to object-wide values that will never change. </a:t>
+            </a:r>
+            <a:endParaRPr lang="en-US" dirty="0" smtClean="0"/>
+          </a:p>
+          <a:p>
+            <a:pPr algn="just"/>
+            <a:r>
+              <a:rPr lang="en-US" dirty="0" smtClean="0"/>
+              <a:t>In </a:t>
+            </a:r>
+            <a:r>
+              <a:rPr lang="en-US" dirty="0"/>
+              <a:t>Java, you can create constants only </a:t>
+            </a:r>
+            <a:r>
+              <a:rPr lang="en-US" dirty="0" smtClean="0"/>
+              <a:t>for instance </a:t>
+            </a:r>
+            <a:r>
+              <a:rPr lang="en-US" dirty="0"/>
+              <a:t>or class variables, not for local variables.</a:t>
+            </a:r>
+          </a:p>
+          <a:p>
+            <a:pPr algn="just"/>
+            <a:r>
+              <a:rPr lang="en-US" dirty="0"/>
+              <a:t>A </a:t>
+            </a:r>
+            <a:r>
+              <a:rPr lang="en-US" i="1" dirty="0"/>
+              <a:t>constant variable </a:t>
+            </a:r>
+            <a:r>
+              <a:rPr lang="en-US" dirty="0"/>
+              <a:t>or </a:t>
+            </a:r>
+            <a:r>
+              <a:rPr lang="en-US" i="1" dirty="0"/>
+              <a:t>constant </a:t>
+            </a:r>
+            <a:r>
+              <a:rPr lang="en-US" dirty="0"/>
+              <a:t>is a variable whose value never changes (which may </a:t>
+            </a:r>
+            <a:r>
+              <a:rPr lang="en-US" dirty="0" smtClean="0"/>
+              <a:t>seem strange </a:t>
+            </a:r>
+            <a:r>
+              <a:rPr lang="en-US" dirty="0"/>
+              <a:t>given the meaning of the word “variable”).</a:t>
+            </a:r>
+            <a:endParaRPr lang="en-US" dirty="0"/>
+          </a:p>
+        </p:txBody>
+      </p:sp>
+    </p:spTree>
+    <p:extLst>
+      <p:ext uri="{BB962C8B-B14F-4D97-AF65-F5344CB8AC3E}">
+        <p14:creationId xmlns:p14="http://schemas.microsoft.com/office/powerpoint/2010/main" val="2695679534"/>
+      </p:ext>
+    </p:extLst>
+  </p:cSld>
+  <p:clrMapOvr>
+    <a:masterClrMapping/>
+  </p:clrMapOvr>
+</p:sld>
+</file>
+
+<file path=ppt/slides/slide27.xml><?xml version="1.0" encoding="utf-8"?>
+<p:sld xmlns:a="http://schemas.openxmlformats.org/drawingml/2006/main" xmlns:r="http://schemas.openxmlformats.org/officeDocument/2006/relationships" xmlns:p="http://schemas.openxmlformats.org/presentationml/2006/main">
+  <p:cSld>
+    <p:spTree>
+      <p:nvGrpSpPr>
+        <p:cNvPr id="1" name=""/>
+        <p:cNvGrpSpPr/>
+        <p:nvPr/>
+      </p:nvGrpSpPr>
+      <p:grpSpPr>
+        <a:xfrm>
+          <a:off x="0" y="0"/>
+          <a:ext cx="0" cy="0"/>
+          <a:chOff x="0" y="0"/>
+          <a:chExt cx="0" cy="0"/>
+        </a:xfrm>
+      </p:grpSpPr>
+      <p:sp>
+        <p:nvSpPr>
+          <p:cNvPr id="2" name="Title 1"/>
+          <p:cNvSpPr>
+            <a:spLocks noGrp="1"/>
+          </p:cNvSpPr>
+          <p:nvPr>
+            <p:ph type="title"/>
+          </p:nvPr>
+        </p:nvSpPr>
+        <p:spPr/>
+        <p:txBody>
+          <a:bodyPr/>
+          <a:lstStyle/>
+          <a:p>
+            <a:r>
+              <a:rPr lang="en-GB" dirty="0" smtClean="0"/>
+              <a:t>Constants</a:t>
+            </a:r>
+            <a:endParaRPr lang="en-US" dirty="0"/>
+          </a:p>
+        </p:txBody>
+      </p:sp>
+      <p:sp>
+        <p:nvSpPr>
+          <p:cNvPr id="3" name="Content Placeholder 2"/>
+          <p:cNvSpPr>
+            <a:spLocks noGrp="1"/>
+          </p:cNvSpPr>
+          <p:nvPr>
+            <p:ph idx="1"/>
+          </p:nvPr>
+        </p:nvSpPr>
+        <p:spPr/>
+        <p:txBody>
+          <a:bodyPr/>
+          <a:lstStyle/>
+          <a:p>
+            <a:r>
+              <a:rPr lang="en-US" dirty="0"/>
+              <a:t>To declare a constant, use the final keyword before the variable declaration and include </a:t>
+            </a:r>
+            <a:r>
+              <a:rPr lang="en-US" dirty="0" smtClean="0"/>
+              <a:t>an initial </a:t>
+            </a:r>
+            <a:r>
+              <a:rPr lang="en-US" dirty="0"/>
+              <a:t>value for that variable:</a:t>
+            </a:r>
+          </a:p>
+          <a:p>
+            <a:endParaRPr lang="en-US" dirty="0"/>
+          </a:p>
+        </p:txBody>
+      </p:sp>
+      <p:pic>
+        <p:nvPicPr>
+          <p:cNvPr id="4" name="Picture 3"/>
+          <p:cNvPicPr>
+            <a:picLocks noChangeAspect="1"/>
+          </p:cNvPicPr>
+          <p:nvPr/>
+        </p:nvPicPr>
+        <p:blipFill>
+          <a:blip r:embed="rId2"/>
+          <a:stretch>
+            <a:fillRect/>
+          </a:stretch>
+        </p:blipFill>
+        <p:spPr>
+          <a:xfrm>
+            <a:off x="480838" y="3581401"/>
+            <a:ext cx="9197226" cy="2100262"/>
+          </a:xfrm>
+          <a:prstGeom prst="rect">
+            <a:avLst/>
+          </a:prstGeom>
+        </p:spPr>
+      </p:pic>
+    </p:spTree>
+    <p:extLst>
+      <p:ext uri="{BB962C8B-B14F-4D97-AF65-F5344CB8AC3E}">
+        <p14:creationId xmlns:p14="http://schemas.microsoft.com/office/powerpoint/2010/main" val="112673031"/>
+      </p:ext>
+    </p:extLst>
+  </p:cSld>
+  <p:clrMapOvr>
+    <a:masterClrMapping/>
+  </p:clrMapOvr>
 </p:sld>
 </file>
 
